--- a/doc/Projekt Racketenwerfer.pptx
+++ b/doc/Projekt Racketenwerfer.pptx
@@ -3794,8 +3794,8 @@
               <a:t>Projekt </a:t>
             </a:r>
             <a:r>
-              <a:rPr lang="de-DE" dirty="0" err="1"/>
-              <a:t>Racketenwerfer</a:t>
+              <a:rPr lang="de-DE" dirty="0" smtClean="0"/>
+              <a:t>Raketenwerfer</a:t>
             </a:r>
             <a:endParaRPr lang="de-DE" dirty="0"/>
           </a:p>
@@ -3900,34 +3900,21 @@
         <p:spPr/>
         <p:txBody>
           <a:bodyPr>
-            <a:normAutofit fontScale="77500" lnSpcReduction="20000"/>
+            <a:normAutofit/>
           </a:bodyPr>
           <a:lstStyle/>
           <a:p>
             <a:r>
-              <a:rPr lang="de-DE" dirty="0"/>
+              <a:rPr lang="de-DE" dirty="0" smtClean="0"/>
               <a:t>Grundgedanken</a:t>
             </a:r>
           </a:p>
           <a:p>
-            <a:pPr lvl="1"/>
-            <a:r>
-              <a:rPr lang="de-DE" dirty="0"/>
-              <a:t>Ziel</a:t>
-            </a:r>
-          </a:p>
-          <a:p>
-            <a:pPr lvl="1"/>
-            <a:r>
-              <a:rPr lang="de-DE" dirty="0"/>
-              <a:t>Vorgehen</a:t>
-            </a:r>
-          </a:p>
-          <a:p>
-            <a:r>
-              <a:rPr lang="de-DE" dirty="0"/>
+            <a:r>
+              <a:rPr lang="de-DE" dirty="0" smtClean="0"/>
               <a:t>Netzwerkaufbau</a:t>
             </a:r>
+            <a:endParaRPr lang="de-DE" dirty="0"/>
           </a:p>
           <a:p>
             <a:r>
@@ -3949,61 +3936,26 @@
           </a:p>
           <a:p>
             <a:r>
-              <a:rPr lang="de-DE" dirty="0" err="1"/>
-              <a:t>Raspberry</a:t>
-            </a:r>
-            <a:r>
               <a:rPr lang="de-DE" dirty="0"/>
-              <a:t> Pi</a:t>
-            </a:r>
-          </a:p>
-          <a:p>
-            <a:pPr lvl="1"/>
-            <a:r>
-              <a:rPr lang="de-DE" dirty="0" err="1"/>
-              <a:t>Nodejs</a:t>
-            </a:r>
-            <a:endParaRPr lang="de-DE" dirty="0"/>
-          </a:p>
-          <a:p>
-            <a:pPr lvl="1"/>
-            <a:r>
-              <a:rPr lang="de-DE" dirty="0"/>
-              <a:t>Treiber</a:t>
-            </a:r>
-          </a:p>
-          <a:p>
-            <a:pPr lvl="2"/>
-            <a:r>
-              <a:rPr lang="de-DE" dirty="0"/>
-              <a:t>Konfiguration</a:t>
-            </a:r>
-          </a:p>
-          <a:p>
-            <a:pPr lvl="1"/>
-            <a:r>
-              <a:rPr lang="de-DE" dirty="0"/>
-              <a:t>Socket.io Server</a:t>
-            </a:r>
-          </a:p>
-          <a:p>
-            <a:r>
-              <a:rPr lang="de-DE" dirty="0"/>
-              <a:t>Smartphone</a:t>
-            </a:r>
-          </a:p>
-          <a:p>
-            <a:pPr lvl="1"/>
-            <a:r>
-              <a:rPr lang="de-DE" dirty="0"/>
-              <a:t>App Konfiguration</a:t>
-            </a:r>
-          </a:p>
-          <a:p>
-            <a:r>
-              <a:rPr lang="de-DE" dirty="0"/>
+              <a:t>Raspberry </a:t>
+            </a:r>
+            <a:r>
+              <a:rPr lang="de-DE" dirty="0" smtClean="0"/>
+              <a:t>Pi</a:t>
+            </a:r>
+          </a:p>
+          <a:p>
+            <a:r>
+              <a:rPr lang="de-DE" dirty="0" smtClean="0"/>
+              <a:t>Android App</a:t>
+            </a:r>
+          </a:p>
+          <a:p>
+            <a:r>
+              <a:rPr lang="de-DE" dirty="0" smtClean="0"/>
               <a:t>Demo</a:t>
             </a:r>
+            <a:endParaRPr lang="de-DE" dirty="0"/>
           </a:p>
           <a:p>
             <a:pPr lvl="1"/>
@@ -4057,9 +4009,10 @@
           <a:lstStyle/>
           <a:p>
             <a:r>
-              <a:rPr lang="de-DE" dirty="0"/>
+              <a:rPr lang="de-DE" dirty="0" smtClean="0"/>
               <a:t>Grundgedanken</a:t>
             </a:r>
+            <a:endParaRPr lang="de-DE" dirty="0"/>
           </a:p>
         </p:txBody>
       </p:sp>
@@ -4129,9 +4082,10 @@
               <a:t> und </a:t>
             </a:r>
             <a:r>
-              <a:rPr lang="de-CH"/>
+              <a:rPr lang="de-CH" dirty="0" err="1"/>
               <a:t>Fire</a:t>
             </a:r>
+            <a:endParaRPr lang="de-CH" dirty="0"/>
           </a:p>
         </p:txBody>
       </p:sp>
@@ -4866,7 +4820,73 @@
           <a:bodyPr/>
           <a:lstStyle/>
           <a:p>
-            <a:endParaRPr lang="de-CH" dirty="0"/>
+            <a:r>
+              <a:rPr lang="de-CH" dirty="0" smtClean="0"/>
+              <a:t>Voll funktionsfähiger Accesspoint (</a:t>
+            </a:r>
+            <a:r>
+              <a:rPr lang="de-CH" dirty="0" err="1" smtClean="0"/>
+              <a:t>hostapd</a:t>
+            </a:r>
+            <a:r>
+              <a:rPr lang="de-CH" dirty="0" smtClean="0"/>
+              <a:t>, </a:t>
+            </a:r>
+            <a:r>
+              <a:rPr lang="de-CH" dirty="0" err="1" smtClean="0"/>
+              <a:t>dnsmasq</a:t>
+            </a:r>
+            <a:r>
+              <a:rPr lang="de-CH" dirty="0" smtClean="0"/>
+              <a:t>)  (+ Routing)</a:t>
+            </a:r>
+          </a:p>
+          <a:p>
+            <a:r>
+              <a:rPr lang="de-CH" dirty="0" err="1" smtClean="0"/>
+              <a:t>NodeJS</a:t>
+            </a:r>
+            <a:r>
+              <a:rPr lang="de-CH" dirty="0" smtClean="0"/>
+              <a:t>-Installation über NVM</a:t>
+            </a:r>
+          </a:p>
+          <a:p>
+            <a:r>
+              <a:rPr lang="de-CH" dirty="0" smtClean="0"/>
+              <a:t>Umgebaute Version des «</a:t>
+            </a:r>
+            <a:r>
+              <a:rPr lang="de-CH" dirty="0" err="1" smtClean="0"/>
+              <a:t>thunder-connector</a:t>
+            </a:r>
+            <a:r>
+              <a:rPr lang="de-CH" dirty="0" smtClean="0"/>
+              <a:t>» Moduls</a:t>
+            </a:r>
+            <a:r>
+              <a:rPr lang="de-CH" dirty="0"/>
+              <a:t> </a:t>
+            </a:r>
+            <a:r>
+              <a:rPr lang="de-CH" dirty="0" smtClean="0"/>
+              <a:t>(mit </a:t>
+            </a:r>
+            <a:r>
+              <a:rPr lang="de-CH" dirty="0" err="1" smtClean="0"/>
+              <a:t>node-hid</a:t>
+            </a:r>
+            <a:r>
+              <a:rPr lang="de-CH" dirty="0" smtClean="0"/>
+              <a:t>)</a:t>
+            </a:r>
+          </a:p>
+          <a:p>
+            <a:r>
+              <a:rPr lang="de-CH" dirty="0" smtClean="0"/>
+              <a:t>Einfacher Socket.IO Server </a:t>
+            </a:r>
+            <a:endParaRPr lang="de-CH" dirty="0" smtClean="0"/>
           </a:p>
         </p:txBody>
       </p:sp>
@@ -4952,9 +4972,21 @@
           </a:p>
           <a:p>
             <a:r>
-              <a:rPr lang="de-CH" dirty="0"/>
-              <a:t>Befehle über JavaScript</a:t>
-            </a:r>
+              <a:rPr lang="de-CH" dirty="0" smtClean="0"/>
+              <a:t>Entwickelt mit </a:t>
+            </a:r>
+            <a:r>
+              <a:rPr lang="de-CH" dirty="0" err="1" smtClean="0"/>
+              <a:t>AngularJS</a:t>
+            </a:r>
+            <a:endParaRPr lang="de-CH" dirty="0"/>
+          </a:p>
+          <a:p>
+            <a:r>
+              <a:rPr lang="de-CH" dirty="0" smtClean="0"/>
+              <a:t>Sehr einfach aufgebaut</a:t>
+            </a:r>
+            <a:endParaRPr lang="de-CH" dirty="0"/>
           </a:p>
           <a:p>
             <a:endParaRPr lang="de-CH" dirty="0"/>
@@ -4979,64 +5011,6 @@
           <a:xfrm>
             <a:off x="5591944" y="1600200"/>
             <a:ext cx="6143625" cy="3409950"/>
-          </a:xfrm>
-          <a:prstGeom prst="rect">
-            <a:avLst/>
-          </a:prstGeom>
-          <a:ln>
-            <a:noFill/>
-          </a:ln>
-          <a:effectLst>
-            <a:outerShdw blurRad="292100" dist="139700" dir="2700000" algn="tl" rotWithShape="0">
-              <a:srgbClr val="333333">
-                <a:alpha val="65000"/>
-              </a:srgbClr>
-            </a:outerShdw>
-          </a:effectLst>
-        </p:spPr>
-      </p:pic>
-      <p:pic>
-        <p:nvPicPr>
-          <p:cNvPr id="6" name="Grafik 5"/>
-          <p:cNvPicPr>
-            <a:picLocks noChangeAspect="1"/>
-          </p:cNvPicPr>
-          <p:nvPr/>
-        </p:nvPicPr>
-        <p:blipFill>
-          <a:blip r:embed="rId3"/>
-          <a:stretch>
-            <a:fillRect/>
-          </a:stretch>
-        </p:blipFill>
-        <p:spPr>
-          <a:xfrm rot="5400000">
-            <a:off x="1415480" y="3212976"/>
-            <a:ext cx="3240360" cy="3240360"/>
-          </a:xfrm>
-          <a:prstGeom prst="rect">
-            <a:avLst/>
-          </a:prstGeom>
-        </p:spPr>
-      </p:pic>
-      <p:pic>
-        <p:nvPicPr>
-          <p:cNvPr id="7" name="Grafik 6"/>
-          <p:cNvPicPr>
-            <a:picLocks noChangeAspect="1"/>
-          </p:cNvPicPr>
-          <p:nvPr/>
-        </p:nvPicPr>
-        <p:blipFill>
-          <a:blip r:embed="rId2"/>
-          <a:stretch>
-            <a:fillRect/>
-          </a:stretch>
-        </p:blipFill>
-        <p:spPr>
-          <a:xfrm>
-            <a:off x="1775520" y="4149080"/>
-            <a:ext cx="2464967" cy="1368152"/>
           </a:xfrm>
           <a:prstGeom prst="rect">
             <a:avLst/>
@@ -5121,9 +5095,26 @@
           <a:lstStyle/>
           <a:p>
             <a:r>
+              <a:rPr lang="de-CH" dirty="0" smtClean="0"/>
+              <a:t>Kurzer </a:t>
+            </a:r>
+            <a:r>
               <a:rPr lang="de-CH" dirty="0"/>
-              <a:t>Beginn der Live Demo </a:t>
-            </a:r>
+              <a:t>E</a:t>
+            </a:r>
+            <a:r>
+              <a:rPr lang="de-CH" dirty="0" smtClean="0"/>
+              <a:t>inblick in den Quellcode</a:t>
+            </a:r>
+          </a:p>
+          <a:p>
+            <a:r>
+              <a:rPr lang="de-CH" dirty="0" smtClean="0"/>
+              <a:t>Demo des Rocket Launchers</a:t>
+            </a:r>
+          </a:p>
+          <a:p>
+            <a:endParaRPr lang="de-CH" dirty="0"/>
           </a:p>
         </p:txBody>
       </p:sp>
@@ -5143,7 +5134,7 @@
         </p:blipFill>
         <p:spPr>
           <a:xfrm>
-            <a:off x="5231904" y="2364925"/>
+            <a:off x="5879976" y="2204864"/>
             <a:ext cx="4474852" cy="3731075"/>
           </a:xfrm>
           <a:prstGeom prst="rect">

--- a/doc/Projekt Racketenwerfer.pptx
+++ b/doc/Projekt Racketenwerfer.pptx
@@ -4886,7 +4886,6 @@
               <a:rPr lang="de-CH" dirty="0" smtClean="0"/>
               <a:t>Einfacher Socket.IO Server </a:t>
             </a:r>
-            <a:endParaRPr lang="de-CH" dirty="0" smtClean="0"/>
           </a:p>
         </p:txBody>
       </p:sp>

--- a/doc/Projekt Racketenwerfer.pptx
+++ b/doc/Projekt Racketenwerfer.pptx
@@ -5,10 +5,10 @@
     <p:sldMasterId id="2147483648" r:id="rId2"/>
   </p:sldMasterIdLst>
   <p:notesMasterIdLst>
-    <p:notesMasterId r:id="rId12"/>
+    <p:notesMasterId r:id="rId13"/>
   </p:notesMasterIdLst>
   <p:handoutMasterIdLst>
-    <p:handoutMasterId r:id="rId13"/>
+    <p:handoutMasterId r:id="rId14"/>
   </p:handoutMasterIdLst>
   <p:sldIdLst>
     <p:sldId id="256" r:id="rId3"/>
@@ -19,7 +19,8 @@
     <p:sldId id="270" r:id="rId8"/>
     <p:sldId id="271" r:id="rId9"/>
     <p:sldId id="272" r:id="rId10"/>
-    <p:sldId id="273" r:id="rId11"/>
+    <p:sldId id="274" r:id="rId11"/>
+    <p:sldId id="273" r:id="rId12"/>
   </p:sldIdLst>
   <p:sldSz cx="12192000" cy="6858000"/>
   <p:notesSz cx="6858000" cy="9144000"/>
@@ -3848,6 +3849,66 @@
 </p:sld>
 </file>
 
+<file path=ppt/slides/slide10.xml><?xml version="1.0" encoding="utf-8"?>
+<p:sld xmlns:a="http://schemas.openxmlformats.org/drawingml/2006/main" xmlns:r="http://schemas.openxmlformats.org/officeDocument/2006/relationships" xmlns:p="http://schemas.openxmlformats.org/presentationml/2006/main">
+  <p:cSld>
+    <p:spTree>
+      <p:nvGrpSpPr>
+        <p:cNvPr id="1" name=""/>
+        <p:cNvGrpSpPr/>
+        <p:nvPr/>
+      </p:nvGrpSpPr>
+      <p:grpSpPr>
+        <a:xfrm>
+          <a:off x="0" y="0"/>
+          <a:ext cx="0" cy="0"/>
+          <a:chOff x="0" y="0"/>
+          <a:chExt cx="0" cy="0"/>
+        </a:xfrm>
+      </p:grpSpPr>
+      <p:pic>
+        <p:nvPicPr>
+          <p:cNvPr id="3" name="Grafik 2"/>
+          <p:cNvPicPr>
+            <a:picLocks noChangeAspect="1"/>
+          </p:cNvPicPr>
+          <p:nvPr/>
+        </p:nvPicPr>
+        <p:blipFill>
+          <a:blip r:embed="rId2"/>
+          <a:stretch>
+            <a:fillRect/>
+          </a:stretch>
+        </p:blipFill>
+        <p:spPr>
+          <a:xfrm>
+            <a:off x="3071664" y="1124744"/>
+            <a:ext cx="5937448" cy="4512461"/>
+          </a:xfrm>
+          <a:prstGeom prst="rect">
+            <a:avLst/>
+          </a:prstGeom>
+          <a:ln>
+            <a:noFill/>
+          </a:ln>
+          <a:effectLst>
+            <a:softEdge rad="112500"/>
+          </a:effectLst>
+        </p:spPr>
+      </p:pic>
+    </p:spTree>
+    <p:extLst>
+      <p:ext uri="{BB962C8B-B14F-4D97-AF65-F5344CB8AC3E}">
+        <p14:creationId xmlns:p14="http://schemas.microsoft.com/office/powerpoint/2010/main" val="2970122714"/>
+      </p:ext>
+    </p:extLst>
+  </p:cSld>
+  <p:clrMapOvr>
+    <a:masterClrMapping/>
+  </p:clrMapOvr>
+</p:sld>
+</file>
+
 <file path=ppt/slides/slide2.xml><?xml version="1.0" encoding="utf-8"?>
 <p:sld xmlns:a="http://schemas.openxmlformats.org/drawingml/2006/main" xmlns:r="http://schemas.openxmlformats.org/officeDocument/2006/relationships" xmlns:p="http://schemas.openxmlformats.org/presentationml/2006/main">
   <p:cSld>
@@ -5177,40 +5238,122 @@
           <a:chExt cx="0" cy="0"/>
         </a:xfrm>
       </p:grpSpPr>
+      <p:sp>
+        <p:nvSpPr>
+          <p:cNvPr id="2" name="Titel 1"/>
+          <p:cNvSpPr>
+            <a:spLocks noGrp="1"/>
+          </p:cNvSpPr>
+          <p:nvPr>
+            <p:ph type="title"/>
+          </p:nvPr>
+        </p:nvSpPr>
+        <p:spPr/>
+        <p:txBody>
+          <a:bodyPr/>
+          <a:lstStyle/>
+          <a:p>
+            <a:r>
+              <a:rPr lang="de-CH" dirty="0" smtClean="0"/>
+              <a:t>Nachbetrachtung / Verbesserungen</a:t>
+            </a:r>
+            <a:endParaRPr lang="de-CH" dirty="0"/>
+          </a:p>
+        </p:txBody>
+      </p:sp>
+      <p:sp>
+        <p:nvSpPr>
+          <p:cNvPr id="5" name="Inhaltsplatzhalter 4"/>
+          <p:cNvSpPr>
+            <a:spLocks noGrp="1"/>
+          </p:cNvSpPr>
+          <p:nvPr>
+            <p:ph idx="1"/>
+          </p:nvPr>
+        </p:nvSpPr>
+        <p:spPr>
+          <a:xfrm>
+            <a:off x="1259905" y="2080023"/>
+            <a:ext cx="9144000" cy="4267200"/>
+          </a:xfrm>
+        </p:spPr>
+        <p:txBody>
+          <a:bodyPr/>
+          <a:lstStyle/>
+          <a:p>
+            <a:r>
+              <a:rPr lang="de-CH" dirty="0" smtClean="0"/>
+              <a:t>Projektplanung nicht ganz befolgt</a:t>
+            </a:r>
+          </a:p>
+          <a:p>
+            <a:pPr lvl="1"/>
+            <a:r>
+              <a:rPr lang="de-CH" dirty="0" smtClean="0"/>
+              <a:t>Viele unerwartet Probleme</a:t>
+            </a:r>
+          </a:p>
+          <a:p>
+            <a:r>
+              <a:rPr lang="de-CH" dirty="0" smtClean="0"/>
+              <a:t>Projekt komplett fertig geschafft</a:t>
+            </a:r>
+            <a:endParaRPr lang="de-CH" dirty="0"/>
+          </a:p>
+          <a:p>
+            <a:r>
+              <a:rPr lang="de-CH" dirty="0" smtClean="0"/>
+              <a:t>Keine Verbesserungen</a:t>
+            </a:r>
+            <a:endParaRPr lang="de-DE" dirty="0" smtClean="0"/>
+          </a:p>
+        </p:txBody>
+      </p:sp>
       <p:pic>
         <p:nvPicPr>
-          <p:cNvPr id="3" name="Grafik 2"/>
+          <p:cNvPr id="1026" name="Picture 2" descr="https://thebeautifulgameblogdotcom2.files.wordpress.com/2016/06/rueckblick.jpg?w=474"/>
           <p:cNvPicPr>
-            <a:picLocks noChangeAspect="1"/>
+            <a:picLocks noChangeAspect="1" noChangeArrowheads="1"/>
           </p:cNvPicPr>
           <p:nvPr/>
         </p:nvPicPr>
         <p:blipFill>
-          <a:blip r:embed="rId2"/>
+          <a:blip r:embed="rId2">
+            <a:extLst>
+              <a:ext uri="{28A0092B-C50C-407E-A947-70E740481C1C}">
+                <a14:useLocalDpi xmlns:a14="http://schemas.microsoft.com/office/drawing/2010/main" val="0"/>
+              </a:ext>
+            </a:extLst>
+          </a:blip>
+          <a:srcRect/>
           <a:stretch>
             <a:fillRect/>
           </a:stretch>
         </p:blipFill>
-        <p:spPr>
+        <p:spPr bwMode="auto">
           <a:xfrm>
-            <a:off x="3071664" y="1124744"/>
-            <a:ext cx="5937448" cy="4512461"/>
+            <a:off x="6149546" y="1600359"/>
+            <a:ext cx="5616624" cy="4830299"/>
           </a:xfrm>
           <a:prstGeom prst="rect">
             <a:avLst/>
           </a:prstGeom>
-          <a:ln>
-            <a:noFill/>
-          </a:ln>
-          <a:effectLst>
-            <a:softEdge rad="112500"/>
-          </a:effectLst>
+          <a:noFill/>
+          <a:extLst>
+            <a:ext uri="{909E8E84-426E-40DD-AFC4-6F175D3DCCD1}">
+              <a14:hiddenFill xmlns:a14="http://schemas.microsoft.com/office/drawing/2010/main">
+                <a:solidFill>
+                  <a:srgbClr val="FFFFFF"/>
+                </a:solidFill>
+              </a14:hiddenFill>
+            </a:ext>
+          </a:extLst>
         </p:spPr>
       </p:pic>
     </p:spTree>
     <p:extLst>
       <p:ext uri="{BB962C8B-B14F-4D97-AF65-F5344CB8AC3E}">
-        <p14:creationId xmlns:p14="http://schemas.microsoft.com/office/powerpoint/2010/main" val="2970122714"/>
+        <p14:creationId xmlns:p14="http://schemas.microsoft.com/office/powerpoint/2010/main" val="882184466"/>
       </p:ext>
     </p:extLst>
   </p:cSld>
